--- a/Vendor_Boards/Microchip_Low_Pin_Count_Demo_Board/PICKit2_Board/18F16Q41/tutorials/Great Cow BASIC_Part19.pptx
+++ b/Vendor_Boards/Microchip_Low_Pin_Count_Demo_Board/PICKit2_Board/18F16Q41/tutorials/Great Cow BASIC_Part19.pptx
@@ -5,10 +5,10 @@
     <p:sldMasterId id="2147483648" r:id="rId1"/>
   </p:sldMasterIdLst>
   <p:notesMasterIdLst>
-    <p:notesMasterId r:id="rId16"/>
+    <p:notesMasterId r:id="rId13"/>
   </p:notesMasterIdLst>
   <p:handoutMasterIdLst>
-    <p:handoutMasterId r:id="rId17"/>
+    <p:handoutMasterId r:id="rId14"/>
   </p:handoutMasterIdLst>
   <p:sldIdLst>
     <p:sldId id="256" r:id="rId2"/>
@@ -20,11 +20,8 @@
     <p:sldId id="285" r:id="rId8"/>
     <p:sldId id="331" r:id="rId9"/>
     <p:sldId id="333" r:id="rId10"/>
-    <p:sldId id="280" r:id="rId11"/>
+    <p:sldId id="336" r:id="rId11"/>
     <p:sldId id="289" r:id="rId12"/>
-    <p:sldId id="297" r:id="rId13"/>
-    <p:sldId id="298" r:id="rId14"/>
-    <p:sldId id="332" r:id="rId15"/>
   </p:sldIdLst>
   <p:sldSz cx="9144000" cy="5143500" type="screen16x9"/>
   <p:notesSz cx="6858000" cy="9144000"/>
@@ -3632,7 +3629,11 @@
             </a:br>
             <a:r>
               <a:rPr lang="en-GB" dirty="0" smtClean="0"/>
-              <a:t>Part 18</a:t>
+              <a:t>Part </a:t>
+            </a:r>
+            <a:r>
+              <a:rPr lang="en-GB" dirty="0" smtClean="0"/>
+              <a:t>19</a:t>
             </a:r>
             <a:endParaRPr lang="en-GB" dirty="0"/>
           </a:p>
@@ -3851,447 +3852,154 @@
         </p:nvSpPr>
         <p:spPr>
           <a:xfrm>
-            <a:off x="457202" y="-92546"/>
+            <a:off x="2" y="1"/>
             <a:ext cx="8229601" cy="857250"/>
           </a:xfrm>
         </p:spPr>
         <p:txBody>
+          <a:bodyPr/>
+          <a:lstStyle/>
+          <a:p>
+            <a:pPr algn="l"/>
+            <a:r>
+              <a:rPr lang="en-GB" dirty="0" smtClean="0"/>
+              <a:t>Summary</a:t>
+            </a:r>
+            <a:endParaRPr lang="en-GB" dirty="0"/>
+          </a:p>
+        </p:txBody>
+      </p:sp>
+      <p:sp>
+        <p:nvSpPr>
+          <p:cNvPr id="3" name="Content Placeholder 2"/>
+          <p:cNvSpPr>
+            <a:spLocks noGrp="1"/>
+          </p:cNvSpPr>
+          <p:nvPr>
+            <p:ph idx="1"/>
+          </p:nvPr>
+        </p:nvSpPr>
+        <p:spPr>
+          <a:xfrm>
+            <a:off x="395538" y="1081186"/>
+            <a:ext cx="8229601" cy="3394472"/>
+          </a:xfrm>
+        </p:spPr>
+        <p:txBody>
           <a:bodyPr>
-            <a:normAutofit/>
+            <a:normAutofit fontScale="70000" lnSpcReduction="20000"/>
           </a:bodyPr>
           <a:lstStyle/>
           <a:p>
             <a:r>
               <a:rPr lang="en-GB" dirty="0" smtClean="0"/>
-              <a:t>Videos...</a:t>
-            </a:r>
+              <a:t>Great Cow BASIC supports the PIC18-Q41 </a:t>
+            </a:r>
+          </a:p>
+          <a:p>
+            <a:endParaRPr lang="en-GB" dirty="0" smtClean="0"/>
+          </a:p>
+          <a:p>
+            <a:pPr lvl="1"/>
+            <a:r>
+              <a:rPr lang="en-GB" dirty="0" smtClean="0"/>
+              <a:t>Digital </a:t>
+            </a:r>
+            <a:r>
+              <a:rPr lang="en-GB" dirty="0" smtClean="0"/>
+              <a:t>and </a:t>
+            </a:r>
+            <a:r>
+              <a:rPr lang="en-GB" dirty="0" err="1" smtClean="0"/>
+              <a:t>Analog</a:t>
+            </a:r>
+            <a:r>
+              <a:rPr lang="en-GB" dirty="0" smtClean="0"/>
+              <a:t> peripherals </a:t>
+            </a:r>
+          </a:p>
+          <a:p>
+            <a:pPr lvl="1"/>
+            <a:r>
+              <a:rPr lang="en-GB" dirty="0" smtClean="0"/>
+              <a:t>12-bit ADC</a:t>
+            </a:r>
+          </a:p>
+          <a:p>
+            <a:pPr lvl="1"/>
+            <a:r>
+              <a:rPr lang="en-GB" dirty="0" smtClean="0"/>
+              <a:t>Multiple communication interfaces</a:t>
+            </a:r>
+          </a:p>
+          <a:p>
+            <a:pPr lvl="2"/>
+            <a:r>
+              <a:rPr lang="en-GB" dirty="0" smtClean="0"/>
+              <a:t>Serial, I2C, SPI</a:t>
+            </a:r>
+          </a:p>
+          <a:p>
+            <a:pPr lvl="1"/>
+            <a:r>
+              <a:rPr lang="en-GB" dirty="0" smtClean="0"/>
+              <a:t>PWM – CCP/PWM and 16Bit</a:t>
+            </a:r>
+          </a:p>
+          <a:p>
+            <a:pPr lvl="1"/>
+            <a:r>
+              <a:rPr lang="en-GB" dirty="0" smtClean="0"/>
+              <a:t>Configurable Logic Cells</a:t>
+            </a:r>
+          </a:p>
+          <a:p>
+            <a:endParaRPr lang="en-GB" dirty="0" smtClean="0"/>
+          </a:p>
+          <a:p>
+            <a:r>
+              <a:rPr lang="en-GB" dirty="0" smtClean="0"/>
+              <a:t>Great Cow BASIC supports multiple 32/64 bit operating  systems and integrates with MPLAB-X</a:t>
+            </a:r>
+          </a:p>
+          <a:p>
             <a:endParaRPr lang="en-GB" dirty="0"/>
           </a:p>
         </p:txBody>
       </p:sp>
-      <p:sp>
-        <p:nvSpPr>
-          <p:cNvPr id="3" name="Content Placeholder 2"/>
-          <p:cNvSpPr>
-            <a:spLocks noGrp="1"/>
-          </p:cNvSpPr>
-          <p:nvPr>
-            <p:ph idx="1"/>
-          </p:nvPr>
-        </p:nvSpPr>
-        <p:spPr>
-          <a:xfrm>
-            <a:off x="467543" y="689050"/>
-            <a:ext cx="8229601" cy="3394472"/>
-          </a:xfrm>
-        </p:spPr>
-        <p:txBody>
-          <a:bodyPr>
-            <a:noAutofit/>
-          </a:bodyPr>
-          <a:lstStyle/>
-          <a:p>
-            <a:pPr marL="478483" indent="-478483">
-              <a:buFont typeface="+mj-lt"/>
-              <a:buAutoNum type="arabicPeriod"/>
-            </a:pPr>
-            <a:r>
-              <a:rPr lang="en-GB" sz="1100" dirty="0" smtClean="0"/>
-              <a:t>Install the </a:t>
-            </a:r>
-            <a:r>
-              <a:rPr lang="en-GB" sz="1100" b="1" dirty="0" smtClean="0"/>
-              <a:t>hardware</a:t>
-            </a:r>
-            <a:r>
-              <a:rPr lang="en-GB" sz="1100" dirty="0" smtClean="0"/>
-              <a:t> and make the board work – </a:t>
-            </a:r>
-            <a:r>
-              <a:rPr lang="en-GB" sz="1100" b="1" dirty="0" smtClean="0"/>
-              <a:t>three LED programs</a:t>
-            </a:r>
-          </a:p>
-          <a:p>
-            <a:pPr marL="478483" indent="-478483">
-              <a:buFont typeface="+mj-lt"/>
-              <a:buAutoNum type="arabicPeriod"/>
-            </a:pPr>
-            <a:r>
-              <a:rPr lang="en-GB" sz="1100" dirty="0" smtClean="0"/>
-              <a:t>Make  four LEDs flash in a </a:t>
-            </a:r>
-            <a:r>
-              <a:rPr lang="en-GB" sz="1100" b="1" dirty="0" smtClean="0"/>
-              <a:t>sequence</a:t>
-            </a:r>
-          </a:p>
-          <a:p>
-            <a:pPr marL="478483" indent="-478483">
-              <a:buFont typeface="+mj-lt"/>
-              <a:buAutoNum type="arabicPeriod"/>
-            </a:pPr>
-            <a:r>
-              <a:rPr lang="en-GB" sz="1100" dirty="0" smtClean="0"/>
-              <a:t>Set the LEDs to represent the value of </a:t>
-            </a:r>
-            <a:r>
-              <a:rPr lang="en-GB" sz="1100" b="1" dirty="0" smtClean="0"/>
-              <a:t>ADC</a:t>
-            </a:r>
-          </a:p>
-          <a:p>
-            <a:pPr marL="478483" indent="-478483">
-              <a:buFont typeface="+mj-lt"/>
-              <a:buAutoNum type="arabicPeriod"/>
-            </a:pPr>
-            <a:r>
-              <a:rPr lang="en-GB" sz="1100" dirty="0" smtClean="0"/>
-              <a:t>Sequence the LEDs with a </a:t>
-            </a:r>
-            <a:r>
-              <a:rPr lang="en-GB" sz="1100" b="1" dirty="0" smtClean="0"/>
-              <a:t>delay</a:t>
-            </a:r>
-            <a:r>
-              <a:rPr lang="en-GB" sz="1100" dirty="0" smtClean="0"/>
-              <a:t> using the value of ADC</a:t>
-            </a:r>
-          </a:p>
-          <a:p>
-            <a:pPr marL="478483" indent="-478483">
-              <a:buFont typeface="+mj-lt"/>
-              <a:buAutoNum type="arabicPeriod"/>
-            </a:pPr>
-            <a:r>
-              <a:rPr lang="en-GB" sz="1100" dirty="0" smtClean="0"/>
-              <a:t>Using an </a:t>
-            </a:r>
-            <a:r>
-              <a:rPr lang="en-GB" sz="1100" b="1" dirty="0" smtClean="0"/>
-              <a:t>input</a:t>
-            </a:r>
-            <a:r>
-              <a:rPr lang="en-GB" sz="1100" dirty="0" smtClean="0"/>
-              <a:t> to set the state of the LEDs</a:t>
-            </a:r>
-          </a:p>
-          <a:p>
-            <a:pPr marL="478483" indent="-478483">
-              <a:buFont typeface="+mj-lt"/>
-              <a:buAutoNum type="arabicPeriod"/>
-            </a:pPr>
-            <a:r>
-              <a:rPr lang="en-GB" sz="1100" dirty="0" smtClean="0"/>
-              <a:t>Using the </a:t>
-            </a:r>
-            <a:r>
-              <a:rPr lang="en-GB" sz="1100" b="1" dirty="0" smtClean="0"/>
-              <a:t>reset </a:t>
-            </a:r>
-            <a:r>
-              <a:rPr lang="en-GB" sz="1100" dirty="0" smtClean="0"/>
-              <a:t>switch</a:t>
-            </a:r>
-          </a:p>
-          <a:p>
-            <a:pPr marL="478483" indent="-478483">
-              <a:buFont typeface="+mj-lt"/>
-              <a:buAutoNum type="arabicPeriod"/>
-            </a:pPr>
-            <a:r>
-              <a:rPr lang="en-GB" sz="1100" dirty="0" smtClean="0"/>
-              <a:t>Using the </a:t>
-            </a:r>
-            <a:r>
-              <a:rPr lang="en-GB" sz="1100" b="1" dirty="0" smtClean="0"/>
-              <a:t>switch</a:t>
-            </a:r>
-            <a:r>
-              <a:rPr lang="en-GB" sz="1100" dirty="0" smtClean="0"/>
-              <a:t>, </a:t>
-            </a:r>
-            <a:r>
-              <a:rPr lang="en-GB" sz="1100" b="1" dirty="0" smtClean="0"/>
-              <a:t>ADC </a:t>
-            </a:r>
-            <a:r>
-              <a:rPr lang="en-GB" sz="1100" dirty="0" smtClean="0"/>
-              <a:t>– the </a:t>
-            </a:r>
-            <a:r>
-              <a:rPr lang="en-GB" sz="1100" b="1" dirty="0" smtClean="0"/>
-              <a:t>LEDs </a:t>
-            </a:r>
-            <a:r>
-              <a:rPr lang="en-GB" sz="1100" dirty="0" smtClean="0"/>
-              <a:t>flash in a sequence with reverse</a:t>
-            </a:r>
-          </a:p>
-          <a:p>
-            <a:pPr marL="478483" indent="-478483">
-              <a:buFont typeface="+mj-lt"/>
-              <a:buAutoNum type="arabicPeriod"/>
-            </a:pPr>
-            <a:r>
-              <a:rPr lang="en-GB" sz="1100" dirty="0" smtClean="0"/>
-              <a:t>Using the </a:t>
-            </a:r>
-            <a:r>
-              <a:rPr lang="en-GB" sz="1100" b="1" dirty="0" smtClean="0"/>
-              <a:t>serial</a:t>
-            </a:r>
-            <a:r>
-              <a:rPr lang="en-GB" sz="1100" dirty="0" smtClean="0"/>
-              <a:t> to display values</a:t>
-            </a:r>
-          </a:p>
-          <a:p>
-            <a:pPr marL="478483" indent="-478483">
-              <a:buFont typeface="+mj-lt"/>
-              <a:buAutoNum type="arabicPeriod"/>
-            </a:pPr>
-            <a:r>
-              <a:rPr lang="en-GB" sz="1100" dirty="0" smtClean="0"/>
-              <a:t>Using the </a:t>
-            </a:r>
-            <a:r>
-              <a:rPr lang="en-GB" sz="1100" b="1" dirty="0" smtClean="0"/>
-              <a:t>timer0</a:t>
-            </a:r>
-            <a:r>
-              <a:rPr lang="en-GB" sz="1100" dirty="0" smtClean="0"/>
-              <a:t> overflow, 8bit timer, 16bit timer to flash the LEDs</a:t>
-            </a:r>
-          </a:p>
-          <a:p>
-            <a:pPr marL="478483" indent="-478483">
-              <a:buFont typeface="+mj-lt"/>
-              <a:buAutoNum type="arabicPeriod"/>
-            </a:pPr>
-            <a:r>
-              <a:rPr lang="en-GB" sz="1100" dirty="0" smtClean="0"/>
-              <a:t>Using CCP/</a:t>
-            </a:r>
-            <a:r>
-              <a:rPr lang="en-GB" sz="1100" b="1" dirty="0" smtClean="0"/>
-              <a:t>PWM</a:t>
-            </a:r>
-            <a:r>
-              <a:rPr lang="en-GB" sz="1100" dirty="0" smtClean="0"/>
-              <a:t> to dim the LEDS</a:t>
-            </a:r>
-          </a:p>
-          <a:p>
-            <a:pPr marL="478483" indent="-478483">
-              <a:buFont typeface="+mj-lt"/>
-              <a:buAutoNum type="arabicPeriod"/>
-            </a:pPr>
-            <a:r>
-              <a:rPr lang="en-GB" sz="1100" dirty="0" smtClean="0"/>
-              <a:t>Using </a:t>
-            </a:r>
-            <a:r>
-              <a:rPr lang="en-GB" sz="1100" b="1" dirty="0" smtClean="0"/>
-              <a:t>I2C</a:t>
-            </a:r>
-            <a:r>
-              <a:rPr lang="en-GB" sz="1100" dirty="0" smtClean="0"/>
-              <a:t> with serial to discover I2C devices</a:t>
-            </a:r>
-          </a:p>
-          <a:p>
-            <a:pPr marL="478483" indent="-478483">
-              <a:buFont typeface="+mj-lt"/>
-              <a:buAutoNum type="arabicPeriod"/>
-            </a:pPr>
-            <a:r>
-              <a:rPr lang="en-GB" sz="1100" dirty="0" smtClean="0"/>
-              <a:t>Using </a:t>
-            </a:r>
-            <a:r>
-              <a:rPr lang="en-GB" sz="1100" b="1" dirty="0" err="1" smtClean="0"/>
-              <a:t>EEProm</a:t>
-            </a:r>
-            <a:r>
-              <a:rPr lang="en-GB" sz="1100" dirty="0" smtClean="0"/>
-              <a:t> – showing values on the serial terminal</a:t>
-            </a:r>
-          </a:p>
-          <a:p>
-            <a:pPr marL="478483" indent="-478483">
-              <a:buFont typeface="+mj-lt"/>
-              <a:buAutoNum type="arabicPeriod"/>
-            </a:pPr>
-            <a:r>
-              <a:rPr lang="en-GB" sz="1100" dirty="0" smtClean="0"/>
-              <a:t>Using an </a:t>
-            </a:r>
-            <a:r>
-              <a:rPr lang="en-GB" sz="1100" b="1" dirty="0" smtClean="0"/>
-              <a:t>I2C GCLD </a:t>
-            </a:r>
-            <a:r>
-              <a:rPr lang="en-GB" sz="1100" dirty="0" smtClean="0"/>
-              <a:t>display</a:t>
-            </a:r>
-          </a:p>
-          <a:p>
-            <a:pPr marL="478483" indent="-478483">
-              <a:buFont typeface="+mj-lt"/>
-              <a:buAutoNum type="arabicPeriod"/>
-            </a:pPr>
-            <a:r>
-              <a:rPr lang="en-GB" sz="1100" dirty="0" smtClean="0"/>
-              <a:t>Using an </a:t>
-            </a:r>
-            <a:r>
-              <a:rPr lang="en-GB" sz="1100" b="1" dirty="0" smtClean="0"/>
-              <a:t>SPI GCLD </a:t>
-            </a:r>
-            <a:r>
-              <a:rPr lang="en-GB" sz="1100" dirty="0" smtClean="0"/>
-              <a:t>display</a:t>
-            </a:r>
-          </a:p>
-          <a:p>
-            <a:pPr marL="478483" indent="-478483">
-              <a:buFont typeface="+mj-lt"/>
-              <a:buAutoNum type="arabicPeriod"/>
-            </a:pPr>
-            <a:r>
-              <a:rPr lang="en-GB" sz="1100" dirty="0" smtClean="0"/>
-              <a:t>Using </a:t>
-            </a:r>
-            <a:r>
-              <a:rPr lang="en-GB" sz="1100" b="1" dirty="0" smtClean="0"/>
-              <a:t>PWM</a:t>
-            </a:r>
-            <a:r>
-              <a:rPr lang="en-GB" sz="1100" dirty="0" smtClean="0"/>
-              <a:t> to dim the LEDS</a:t>
-            </a:r>
-          </a:p>
-          <a:p>
-            <a:pPr marL="478483" indent="-478483">
-              <a:buFont typeface="+mj-lt"/>
-              <a:buAutoNum type="arabicPeriod"/>
-            </a:pPr>
-            <a:r>
-              <a:rPr lang="en-GB" sz="1100" dirty="0" smtClean="0"/>
-              <a:t>Using memory within the PIC – </a:t>
-            </a:r>
-            <a:r>
-              <a:rPr lang="en-GB" sz="1100" b="1" dirty="0" err="1" smtClean="0"/>
-              <a:t>Progmem</a:t>
-            </a:r>
-            <a:r>
-              <a:rPr lang="en-GB" sz="1100" b="1" dirty="0" smtClean="0"/>
-              <a:t> </a:t>
-            </a:r>
-            <a:r>
-              <a:rPr lang="en-GB" sz="1100" dirty="0" smtClean="0"/>
-              <a:t>and</a:t>
-            </a:r>
-            <a:r>
-              <a:rPr lang="en-GB" sz="1100" b="1" dirty="0" smtClean="0"/>
-              <a:t> SAF memory</a:t>
-            </a:r>
-          </a:p>
-          <a:p>
-            <a:pPr marL="478483" indent="-478483">
-              <a:buFont typeface="+mj-lt"/>
-              <a:buAutoNum type="arabicPeriod"/>
-            </a:pPr>
-            <a:r>
-              <a:rPr lang="en-GB" sz="1100" dirty="0" smtClean="0"/>
-              <a:t>The Great Cow BASIC </a:t>
-            </a:r>
-            <a:r>
-              <a:rPr lang="en-GB" sz="1100" b="1" dirty="0" smtClean="0"/>
-              <a:t>tool chain</a:t>
-            </a:r>
-          </a:p>
-          <a:p>
-            <a:pPr marL="478483" indent="-478483">
-              <a:buFont typeface="+mj-lt"/>
-              <a:buAutoNum type="arabicPeriod"/>
-            </a:pPr>
-            <a:r>
-              <a:rPr lang="en-GB" sz="1100" dirty="0" smtClean="0"/>
-              <a:t>Assembly and alternatives </a:t>
-            </a:r>
-            <a:r>
-              <a:rPr lang="en-GB" sz="1100" b="1" dirty="0" smtClean="0"/>
-              <a:t>assemblers</a:t>
-            </a:r>
-          </a:p>
-          <a:p>
-            <a:pPr marL="478483" indent="-478483">
-              <a:buFont typeface="+mj-lt"/>
-              <a:buAutoNum type="arabicPeriod"/>
-            </a:pPr>
-            <a:r>
-              <a:rPr lang="en-GB" sz="1100" b="1" dirty="0" smtClean="0"/>
-              <a:t>Summary</a:t>
-            </a:r>
-          </a:p>
-          <a:p>
-            <a:pPr marL="478483" indent="-478483">
-              <a:buFont typeface="+mj-lt"/>
-              <a:buAutoNum type="arabicPeriod"/>
-            </a:pPr>
-            <a:endParaRPr lang="en-GB" sz="900" dirty="0" smtClean="0">
-              <a:solidFill>
-                <a:schemeClr val="bg1">
-                  <a:lumMod val="75000"/>
-                </a:schemeClr>
-              </a:solidFill>
-            </a:endParaRPr>
-          </a:p>
-          <a:p>
-            <a:pPr marL="478483" indent="-478483">
-              <a:buNone/>
-            </a:pPr>
-            <a:endParaRPr lang="en-GB" sz="1100" dirty="0" smtClean="0"/>
-          </a:p>
-          <a:p>
-            <a:pPr marL="478483" indent="-478483">
-              <a:buFont typeface="+mj-lt"/>
-              <a:buAutoNum type="arabicPeriod"/>
-            </a:pPr>
-            <a:endParaRPr lang="en-GB" sz="1100" dirty="0" smtClean="0"/>
-          </a:p>
-          <a:p>
-            <a:pPr marL="478483" indent="-478483">
-              <a:buFont typeface="+mj-lt"/>
-              <a:buAutoNum type="arabicPeriod"/>
-            </a:pPr>
-            <a:endParaRPr lang="en-GB" sz="1000" dirty="0" smtClean="0"/>
-          </a:p>
-          <a:p>
-            <a:pPr marL="478483" indent="-478483">
-              <a:buFont typeface="+mj-lt"/>
-              <a:buAutoNum type="arabicPeriod"/>
-            </a:pPr>
-            <a:endParaRPr lang="en-GB" sz="1000" dirty="0" smtClean="0"/>
-          </a:p>
-          <a:p>
-            <a:pPr marL="478483" indent="-478483">
-              <a:buFont typeface="+mj-lt"/>
-              <a:buAutoNum type="arabicPeriod"/>
-            </a:pPr>
-            <a:endParaRPr lang="en-GB" sz="1000" dirty="0" smtClean="0"/>
-          </a:p>
-          <a:p>
-            <a:pPr marL="478483" indent="-478483">
-              <a:buFont typeface="+mj-lt"/>
-              <a:buAutoNum type="arabicPeriod"/>
-            </a:pPr>
-            <a:endParaRPr lang="en-GB" sz="1000" dirty="0"/>
-          </a:p>
-        </p:txBody>
-      </p:sp>
+      <p:pic>
+        <p:nvPicPr>
+          <p:cNvPr id="4" name="Picture 1"/>
+          <p:cNvPicPr>
+            <a:picLocks noChangeAspect="1" noChangeArrowheads="1"/>
+          </p:cNvPicPr>
+          <p:nvPr/>
+        </p:nvPicPr>
+        <p:blipFill>
+          <a:blip r:embed="rId2" cstate="print"/>
+          <a:srcRect l="8600" t="14166" r="7684" b="8911"/>
+          <a:stretch>
+            <a:fillRect/>
+          </a:stretch>
+        </p:blipFill>
+        <p:spPr bwMode="auto">
+          <a:xfrm>
+            <a:off x="6300193" y="1275606"/>
+            <a:ext cx="2448272" cy="1296144"/>
+          </a:xfrm>
+          <a:prstGeom prst="rect">
+            <a:avLst/>
+          </a:prstGeom>
+          <a:noFill/>
+          <a:ln w="9525">
+            <a:noFill/>
+            <a:miter lim="800000"/>
+            <a:headEnd/>
+            <a:tailEnd/>
+          </a:ln>
+          <a:effectLst/>
+        </p:spPr>
+      </p:pic>
     </p:spTree>
   </p:cSld>
   <p:clrMapOvr>
@@ -4450,354 +4158,6 @@
           </a:p>
         </p:txBody>
       </p:sp>
-    </p:spTree>
-  </p:cSld>
-  <p:clrMapOvr>
-    <a:masterClrMapping/>
-  </p:clrMapOvr>
-  <p:transition advClick="0"/>
-  <p:timing>
-    <p:tnLst>
-      <p:par>
-        <p:cTn id="1" dur="indefinite" restart="never" nodeType="tmRoot"/>
-      </p:par>
-    </p:tnLst>
-  </p:timing>
-</p:sld>
-</file>
-
-<file path=ppt/slides/slide12.xml><?xml version="1.0" encoding="utf-8"?>
-<p:sld xmlns:a="http://schemas.openxmlformats.org/drawingml/2006/main" xmlns:r="http://schemas.openxmlformats.org/officeDocument/2006/relationships" xmlns:p="http://schemas.openxmlformats.org/presentationml/2006/main">
-  <p:cSld>
-    <p:spTree>
-      <p:nvGrpSpPr>
-        <p:cNvPr id="1" name=""/>
-        <p:cNvGrpSpPr/>
-        <p:nvPr/>
-      </p:nvGrpSpPr>
-      <p:grpSpPr>
-        <a:xfrm>
-          <a:off x="0" y="0"/>
-          <a:ext cx="0" cy="0"/>
-          <a:chOff x="0" y="0"/>
-          <a:chExt cx="0" cy="0"/>
-        </a:xfrm>
-      </p:grpSpPr>
-      <p:sp>
-        <p:nvSpPr>
-          <p:cNvPr id="2" name="Title 1"/>
-          <p:cNvSpPr>
-            <a:spLocks noGrp="1"/>
-          </p:cNvSpPr>
-          <p:nvPr>
-            <p:ph type="title"/>
-          </p:nvPr>
-        </p:nvSpPr>
-        <p:spPr/>
-        <p:txBody>
-          <a:bodyPr/>
-          <a:lstStyle/>
-          <a:p>
-            <a:endParaRPr lang="en-GB" dirty="0"/>
-          </a:p>
-        </p:txBody>
-      </p:sp>
-      <p:sp>
-        <p:nvSpPr>
-          <p:cNvPr id="3" name="Content Placeholder 2"/>
-          <p:cNvSpPr>
-            <a:spLocks noGrp="1"/>
-          </p:cNvSpPr>
-          <p:nvPr>
-            <p:ph idx="1"/>
-          </p:nvPr>
-        </p:nvSpPr>
-        <p:spPr/>
-        <p:txBody>
-          <a:bodyPr/>
-          <a:lstStyle/>
-          <a:p>
-            <a:endParaRPr lang="en-GB" dirty="0"/>
-          </a:p>
-        </p:txBody>
-      </p:sp>
-    </p:spTree>
-  </p:cSld>
-  <p:clrMapOvr>
-    <a:masterClrMapping/>
-  </p:clrMapOvr>
-  <p:transition advClick="0"/>
-  <p:timing>
-    <p:tnLst>
-      <p:par>
-        <p:cTn id="1" dur="indefinite" restart="never" nodeType="tmRoot"/>
-      </p:par>
-    </p:tnLst>
-  </p:timing>
-</p:sld>
-</file>
-
-<file path=ppt/slides/slide13.xml><?xml version="1.0" encoding="utf-8"?>
-<p:sld xmlns:a="http://schemas.openxmlformats.org/drawingml/2006/main" xmlns:r="http://schemas.openxmlformats.org/officeDocument/2006/relationships" xmlns:p="http://schemas.openxmlformats.org/presentationml/2006/main">
-  <p:cSld>
-    <p:spTree>
-      <p:nvGrpSpPr>
-        <p:cNvPr id="1" name=""/>
-        <p:cNvGrpSpPr/>
-        <p:nvPr/>
-      </p:nvGrpSpPr>
-      <p:grpSpPr>
-        <a:xfrm>
-          <a:off x="0" y="0"/>
-          <a:ext cx="0" cy="0"/>
-          <a:chOff x="0" y="0"/>
-          <a:chExt cx="0" cy="0"/>
-        </a:xfrm>
-      </p:grpSpPr>
-      <p:sp>
-        <p:nvSpPr>
-          <p:cNvPr id="2" name="Title 1"/>
-          <p:cNvSpPr>
-            <a:spLocks noGrp="1"/>
-          </p:cNvSpPr>
-          <p:nvPr>
-            <p:ph type="title"/>
-          </p:nvPr>
-        </p:nvSpPr>
-        <p:spPr/>
-        <p:txBody>
-          <a:bodyPr/>
-          <a:lstStyle/>
-          <a:p>
-            <a:r>
-              <a:rPr lang="en-GB" dirty="0" smtClean="0"/>
-              <a:t>Backup Slides</a:t>
-            </a:r>
-            <a:endParaRPr lang="en-GB" dirty="0"/>
-          </a:p>
-        </p:txBody>
-      </p:sp>
-      <p:sp>
-        <p:nvSpPr>
-          <p:cNvPr id="3" name="Content Placeholder 2"/>
-          <p:cNvSpPr>
-            <a:spLocks noGrp="1"/>
-          </p:cNvSpPr>
-          <p:nvPr>
-            <p:ph idx="1"/>
-          </p:nvPr>
-        </p:nvSpPr>
-        <p:spPr/>
-        <p:txBody>
-          <a:bodyPr/>
-          <a:lstStyle/>
-          <a:p>
-            <a:endParaRPr lang="en-GB"/>
-          </a:p>
-        </p:txBody>
-      </p:sp>
-    </p:spTree>
-  </p:cSld>
-  <p:clrMapOvr>
-    <a:masterClrMapping/>
-  </p:clrMapOvr>
-  <p:transition advClick="0"/>
-  <p:timing>
-    <p:tnLst>
-      <p:par>
-        <p:cTn id="1" dur="indefinite" restart="never" nodeType="tmRoot"/>
-      </p:par>
-    </p:tnLst>
-  </p:timing>
-</p:sld>
-</file>
-
-<file path=ppt/slides/slide14.xml><?xml version="1.0" encoding="utf-8"?>
-<p:sld xmlns:a="http://schemas.openxmlformats.org/drawingml/2006/main" xmlns:r="http://schemas.openxmlformats.org/officeDocument/2006/relationships" xmlns:p="http://schemas.openxmlformats.org/presentationml/2006/main">
-  <p:cSld>
-    <p:spTree>
-      <p:nvGrpSpPr>
-        <p:cNvPr id="1" name=""/>
-        <p:cNvGrpSpPr/>
-        <p:nvPr/>
-      </p:nvGrpSpPr>
-      <p:grpSpPr>
-        <a:xfrm>
-          <a:off x="0" y="0"/>
-          <a:ext cx="0" cy="0"/>
-          <a:chOff x="0" y="0"/>
-          <a:chExt cx="0" cy="0"/>
-        </a:xfrm>
-      </p:grpSpPr>
-      <p:sp>
-        <p:nvSpPr>
-          <p:cNvPr id="46" name="Title 1"/>
-          <p:cNvSpPr>
-            <a:spLocks noGrp="1"/>
-          </p:cNvSpPr>
-          <p:nvPr>
-            <p:ph type="title"/>
-          </p:nvPr>
-        </p:nvSpPr>
-        <p:spPr>
-          <a:xfrm>
-            <a:off x="0" y="0"/>
-            <a:ext cx="8229600" cy="857250"/>
-          </a:xfrm>
-        </p:spPr>
-        <p:txBody>
-          <a:bodyPr/>
-          <a:lstStyle/>
-          <a:p>
-            <a:pPr algn="l"/>
-            <a:r>
-              <a:rPr lang="en-GB" dirty="0" smtClean="0"/>
-              <a:t>Great Cow BASIC &amp; MPLAB-X/PIC-AS</a:t>
-            </a:r>
-            <a:endParaRPr lang="en-GB" dirty="0"/>
-          </a:p>
-        </p:txBody>
-      </p:sp>
-      <p:pic>
-        <p:nvPicPr>
-          <p:cNvPr id="1028" name="Picture 4"/>
-          <p:cNvPicPr>
-            <a:picLocks noChangeAspect="1" noChangeArrowheads="1"/>
-          </p:cNvPicPr>
-          <p:nvPr/>
-        </p:nvPicPr>
-        <p:blipFill>
-          <a:blip r:embed="rId2" cstate="print"/>
-          <a:srcRect/>
-          <a:stretch>
-            <a:fillRect/>
-          </a:stretch>
-        </p:blipFill>
-        <p:spPr bwMode="auto">
-          <a:xfrm>
-            <a:off x="4932040" y="987574"/>
-            <a:ext cx="4001917" cy="3781525"/>
-          </a:xfrm>
-          <a:prstGeom prst="rect">
-            <a:avLst/>
-          </a:prstGeom>
-          <a:noFill/>
-          <a:ln w="9525">
-            <a:noFill/>
-            <a:miter lim="800000"/>
-            <a:headEnd/>
-            <a:tailEnd/>
-          </a:ln>
-          <a:effectLst/>
-        </p:spPr>
-      </p:pic>
-      <p:grpSp>
-        <p:nvGrpSpPr>
-          <p:cNvPr id="28" name="Group 27"/>
-          <p:cNvGrpSpPr/>
-          <p:nvPr/>
-        </p:nvGrpSpPr>
-        <p:grpSpPr>
-          <a:xfrm>
-            <a:off x="251520" y="3723878"/>
-            <a:ext cx="2304256" cy="1504994"/>
-            <a:chOff x="1475656" y="1851670"/>
-            <a:chExt cx="3600400" cy="2657122"/>
-          </a:xfrm>
-        </p:grpSpPr>
-        <p:pic>
-          <p:nvPicPr>
-            <p:cNvPr id="30" name="Picture 2" descr="See the source image"/>
-            <p:cNvPicPr>
-              <a:picLocks noChangeAspect="1" noChangeArrowheads="1"/>
-            </p:cNvPicPr>
-            <p:nvPr/>
-          </p:nvPicPr>
-          <p:blipFill>
-            <a:blip r:embed="rId3" cstate="print"/>
-            <a:srcRect/>
-            <a:stretch>
-              <a:fillRect/>
-            </a:stretch>
-          </p:blipFill>
-          <p:spPr bwMode="auto">
-            <a:xfrm rot="786728">
-              <a:off x="1475656" y="1851670"/>
-              <a:ext cx="3600400" cy="2657122"/>
-            </a:xfrm>
-            <a:prstGeom prst="rect">
-              <a:avLst/>
-            </a:prstGeom>
-            <a:noFill/>
-          </p:spPr>
-        </p:pic>
-        <p:pic>
-          <p:nvPicPr>
-            <p:cNvPr id="31" name="Picture 3"/>
-            <p:cNvPicPr>
-              <a:picLocks noChangeAspect="1" noChangeArrowheads="1"/>
-            </p:cNvPicPr>
-            <p:nvPr/>
-          </p:nvPicPr>
-          <p:blipFill>
-            <a:blip r:embed="rId4" cstate="print"/>
-            <a:srcRect t="26867" b="13144"/>
-            <a:stretch>
-              <a:fillRect/>
-            </a:stretch>
-          </p:blipFill>
-          <p:spPr bwMode="auto">
-            <a:xfrm>
-              <a:off x="3559944" y="2915667"/>
-              <a:ext cx="792088" cy="181014"/>
-            </a:xfrm>
-            <a:prstGeom prst="rect">
-              <a:avLst/>
-            </a:prstGeom>
-            <a:noFill/>
-            <a:ln w="9525">
-              <a:noFill/>
-              <a:miter lim="800000"/>
-              <a:headEnd/>
-              <a:tailEnd/>
-            </a:ln>
-            <a:effectLst/>
-          </p:spPr>
-        </p:pic>
-      </p:grpSp>
-      <p:pic>
-        <p:nvPicPr>
-          <p:cNvPr id="1027" name="Picture 3"/>
-          <p:cNvPicPr>
-            <a:picLocks noChangeAspect="1" noChangeArrowheads="1"/>
-          </p:cNvPicPr>
-          <p:nvPr/>
-        </p:nvPicPr>
-        <p:blipFill>
-          <a:blip r:embed="rId5" cstate="print"/>
-          <a:srcRect/>
-          <a:stretch>
-            <a:fillRect/>
-          </a:stretch>
-        </p:blipFill>
-        <p:spPr bwMode="auto">
-          <a:xfrm>
-            <a:off x="323528" y="1347614"/>
-            <a:ext cx="3343275" cy="2543175"/>
-          </a:xfrm>
-          <a:prstGeom prst="rect">
-            <a:avLst/>
-          </a:prstGeom>
-          <a:noFill/>
-          <a:ln w="9525">
-            <a:noFill/>
-            <a:miter lim="800000"/>
-            <a:headEnd/>
-            <a:tailEnd/>
-          </a:ln>
-          <a:effectLst/>
-        </p:spPr>
-      </p:pic>
     </p:spTree>
   </p:cSld>
   <p:clrMapOvr>
@@ -7934,11 +7294,7 @@
             </a:pPr>
             <a:r>
               <a:rPr lang="en-GB" sz="1800" dirty="0" smtClean="0"/>
-              <a:t>We </a:t>
-            </a:r>
-            <a:r>
-              <a:rPr lang="en-GB" sz="1800" dirty="0" smtClean="0"/>
-              <a:t>will see two tests</a:t>
+              <a:t>We will see two tests</a:t>
             </a:r>
           </a:p>
           <a:p>
@@ -7963,13 +7319,8 @@
             </a:pPr>
             <a:r>
               <a:rPr lang="en-GB" sz="1800" dirty="0" smtClean="0"/>
-              <a:t>Using the </a:t>
-            </a:r>
-            <a:r>
-              <a:rPr lang="en-GB" sz="1800" dirty="0" smtClean="0"/>
-              <a:t> PICkit4 method</a:t>
-            </a:r>
-            <a:endParaRPr lang="en-GB" sz="1800" dirty="0" smtClean="0"/>
+              <a:t>Using the  PICkit4 method</a:t>
+            </a:r>
           </a:p>
           <a:p>
             <a:pPr marL="457200" indent="-457200">
@@ -8070,7 +7421,7 @@
             <a:pPr algn="l"/>
             <a:r>
               <a:rPr lang="en-GB" dirty="0" smtClean="0"/>
-              <a:t>Summary</a:t>
+              <a:t>Resources</a:t>
             </a:r>
             <a:endParaRPr lang="en-GB" dirty="0"/>
           </a:p>
@@ -8089,7 +7440,7 @@
         <p:spPr>
           <a:xfrm>
             <a:off x="457202" y="1200151"/>
-            <a:ext cx="8686798" cy="3394472"/>
+            <a:ext cx="8363270" cy="3394472"/>
           </a:xfrm>
         </p:spPr>
         <p:txBody>
@@ -8111,13 +7462,7 @@
               <a:rPr lang="en-GB" sz="900" u="sng" dirty="0" smtClean="0">
                 <a:hlinkClick r:id="rId2"/>
               </a:rPr>
-              <a:t>https://</a:t>
-            </a:r>
-            <a:r>
-              <a:rPr lang="en-GB" sz="900" u="sng" dirty="0" smtClean="0">
-                <a:hlinkClick r:id="rId2"/>
-              </a:rPr>
-              <a:t>github.com/Anobium/Great-Cow-BASIC-Demonstration-Sources/tree/master/Vendor_Boards/Microchip_Low_Pin_Count_Demo_Board/PICKit2_Board/18F16Q41</a:t>
+              <a:t>https://github.com/Anobium/Great-Cow-BASIC-Demonstration-Sources/tree/master/Vendor_Boards/Microchip_Low_Pin_Count_Demo_Board/PICKit2_Board/18F16Q41</a:t>
             </a:r>
             <a:endParaRPr lang="en-GB" sz="900" u="sng" dirty="0" smtClean="0"/>
           </a:p>
@@ -8134,11 +7479,7 @@
             </a:pPr>
             <a:r>
               <a:rPr lang="en-GB" sz="3000" dirty="0" smtClean="0"/>
-              <a:t>Tutorial </a:t>
-            </a:r>
-            <a:r>
-              <a:rPr lang="en-GB" sz="3000" dirty="0" smtClean="0"/>
-              <a:t>presentations</a:t>
+              <a:t>Tutorial presentations</a:t>
             </a:r>
           </a:p>
           <a:p>
@@ -8147,40 +7488,10 @@
             </a:pPr>
             <a:r>
               <a:rPr lang="en-GB" sz="900" u="sng" dirty="0" smtClean="0">
-                <a:hlinkClick r:id="rId2"/>
+                <a:hlinkClick r:id="rId3"/>
               </a:rPr>
-              <a:t>https</a:t>
-            </a:r>
-            <a:r>
-              <a:rPr lang="en-GB" sz="900" u="sng" smtClean="0">
-                <a:hlinkClick r:id="rId2"/>
-              </a:rPr>
-              <a:t>://</a:t>
-            </a:r>
-            <a:r>
-              <a:rPr lang="en-GB" sz="900" u="sng" smtClean="0">
-                <a:hlinkClick r:id="rId2"/>
-              </a:rPr>
-              <a:t>github.com/Anobium/Great-Cow-BASIC-Demonstration-Sources/tree/master/Vendor_Boards/Microchip_Low_Pin_Count_Demo_Board/PICKit2_Board/18F16Q41</a:t>
-            </a:r>
-            <a:r>
-              <a:rPr lang="en-GB" sz="900" u="sng" smtClean="0"/>
-              <a:t>/</a:t>
-            </a:r>
-            <a:endParaRPr lang="en-GB" sz="900" u="sng" dirty="0" smtClean="0">
-              <a:hlinkClick r:id="rId2"/>
-            </a:endParaRPr>
-          </a:p>
-          <a:p>
-            <a:pPr marL="318988" lvl="1" indent="-318988">
-              <a:buNone/>
-            </a:pPr>
-            <a:endParaRPr lang="en-GB" sz="3000" dirty="0" smtClean="0"/>
-          </a:p>
-          <a:p>
-            <a:pPr lvl="1">
-              <a:buNone/>
-            </a:pPr>
+              <a:t>https://github.com/Anobium/Great-Cow-BASIC-Demonstration-Sources/tree/master/Vendor_Boards/Microchip_Low_Pin_Count_Demo_Board/PICKit2_Board/18F16Q41/tutorials</a:t>
+            </a:r>
             <a:endParaRPr lang="en-GB" sz="900" u="sng" dirty="0"/>
           </a:p>
         </p:txBody>
